--- a/12_agentic_ai/1_agentic_ai.pptx
+++ b/12_agentic_ai/1_agentic_ai.pptx
@@ -14,12 +14,10 @@
     <p:sldId id="262" r:id="rId8"/>
     <p:sldId id="270" r:id="rId9"/>
     <p:sldId id="263" r:id="rId10"/>
-    <p:sldId id="264" r:id="rId11"/>
+    <p:sldId id="271" r:id="rId11"/>
     <p:sldId id="265" r:id="rId12"/>
     <p:sldId id="266" r:id="rId13"/>
     <p:sldId id="267" r:id="rId14"/>
-    <p:sldId id="268" r:id="rId15"/>
-    <p:sldId id="269" r:id="rId16"/>
   </p:sldIdLst>
   <p:sldSz cx="12192000" cy="6858000"/>
   <p:notesSz cx="6858000" cy="9144000"/>
@@ -118,6 +116,11 @@
       </a:defRPr>
     </a:lvl9pPr>
   </p:defaultTextStyle>
+  <p:extLst>
+    <p:ext uri="{EFAFB233-063F-42B5-8137-9DF3F51BA10A}">
+      <p15:sldGuideLst xmlns:p15="http://schemas.microsoft.com/office/powerpoint/2012/main"/>
+    </p:ext>
+  </p:extLst>
 </p:presentation>
 </file>
 
@@ -252,7 +255,7 @@
           <a:p>
             <a:fld id="{33143F91-6580-4799-B12F-E9A17BDE59C3}" type="datetimeFigureOut">
               <a:rPr lang="en-US" smtClean="0"/>
-              <a:t>11/20/2025</a:t>
+              <a:t>11/22/2025</a:t>
             </a:fld>
             <a:endParaRPr lang="en-US"/>
           </a:p>
@@ -422,7 +425,7 @@
           <a:p>
             <a:fld id="{33143F91-6580-4799-B12F-E9A17BDE59C3}" type="datetimeFigureOut">
               <a:rPr lang="en-US" smtClean="0"/>
-              <a:t>11/20/2025</a:t>
+              <a:t>11/22/2025</a:t>
             </a:fld>
             <a:endParaRPr lang="en-US"/>
           </a:p>
@@ -602,7 +605,7 @@
           <a:p>
             <a:fld id="{33143F91-6580-4799-B12F-E9A17BDE59C3}" type="datetimeFigureOut">
               <a:rPr lang="en-US" smtClean="0"/>
-              <a:t>11/20/2025</a:t>
+              <a:t>11/22/2025</a:t>
             </a:fld>
             <a:endParaRPr lang="en-US"/>
           </a:p>
@@ -772,7 +775,7 @@
           <a:p>
             <a:fld id="{33143F91-6580-4799-B12F-E9A17BDE59C3}" type="datetimeFigureOut">
               <a:rPr lang="en-US" smtClean="0"/>
-              <a:t>11/20/2025</a:t>
+              <a:t>11/22/2025</a:t>
             </a:fld>
             <a:endParaRPr lang="en-US"/>
           </a:p>
@@ -1018,7 +1021,7 @@
           <a:p>
             <a:fld id="{33143F91-6580-4799-B12F-E9A17BDE59C3}" type="datetimeFigureOut">
               <a:rPr lang="en-US" smtClean="0"/>
-              <a:t>11/20/2025</a:t>
+              <a:t>11/22/2025</a:t>
             </a:fld>
             <a:endParaRPr lang="en-US"/>
           </a:p>
@@ -1250,7 +1253,7 @@
           <a:p>
             <a:fld id="{33143F91-6580-4799-B12F-E9A17BDE59C3}" type="datetimeFigureOut">
               <a:rPr lang="en-US" smtClean="0"/>
-              <a:t>11/20/2025</a:t>
+              <a:t>11/22/2025</a:t>
             </a:fld>
             <a:endParaRPr lang="en-US"/>
           </a:p>
@@ -1617,7 +1620,7 @@
           <a:p>
             <a:fld id="{33143F91-6580-4799-B12F-E9A17BDE59C3}" type="datetimeFigureOut">
               <a:rPr lang="en-US" smtClean="0"/>
-              <a:t>11/20/2025</a:t>
+              <a:t>11/22/2025</a:t>
             </a:fld>
             <a:endParaRPr lang="en-US"/>
           </a:p>
@@ -1735,7 +1738,7 @@
           <a:p>
             <a:fld id="{33143F91-6580-4799-B12F-E9A17BDE59C3}" type="datetimeFigureOut">
               <a:rPr lang="en-US" smtClean="0"/>
-              <a:t>11/20/2025</a:t>
+              <a:t>11/22/2025</a:t>
             </a:fld>
             <a:endParaRPr lang="en-US"/>
           </a:p>
@@ -1830,7 +1833,7 @@
           <a:p>
             <a:fld id="{33143F91-6580-4799-B12F-E9A17BDE59C3}" type="datetimeFigureOut">
               <a:rPr lang="en-US" smtClean="0"/>
-              <a:t>11/20/2025</a:t>
+              <a:t>11/22/2025</a:t>
             </a:fld>
             <a:endParaRPr lang="en-US"/>
           </a:p>
@@ -2107,7 +2110,7 @@
           <a:p>
             <a:fld id="{33143F91-6580-4799-B12F-E9A17BDE59C3}" type="datetimeFigureOut">
               <a:rPr lang="en-US" smtClean="0"/>
-              <a:t>11/20/2025</a:t>
+              <a:t>11/22/2025</a:t>
             </a:fld>
             <a:endParaRPr lang="en-US"/>
           </a:p>
@@ -2360,7 +2363,7 @@
           <a:p>
             <a:fld id="{33143F91-6580-4799-B12F-E9A17BDE59C3}" type="datetimeFigureOut">
               <a:rPr lang="en-US" smtClean="0"/>
-              <a:t>11/20/2025</a:t>
+              <a:t>11/22/2025</a:t>
             </a:fld>
             <a:endParaRPr lang="en-US"/>
           </a:p>
@@ -2573,7 +2576,7 @@
           <a:p>
             <a:fld id="{33143F91-6580-4799-B12F-E9A17BDE59C3}" type="datetimeFigureOut">
               <a:rPr lang="en-US" smtClean="0"/>
-              <a:t>11/20/2025</a:t>
+              <a:t>11/22/2025</a:t>
             </a:fld>
             <a:endParaRPr lang="en-US"/>
           </a:p>
@@ -3142,7 +3145,7 @@
     </p:spTree>
     <p:extLst>
       <p:ext uri="{BB962C8B-B14F-4D97-AF65-F5344CB8AC3E}">
-        <p14:creationId xmlns:p14="http://schemas.microsoft.com/office/powerpoint/2010/main" val="3832474960"/>
+        <p14:creationId xmlns:p14="http://schemas.microsoft.com/office/powerpoint/2010/main" val="3892410316"/>
       </p:ext>
     </p:extLst>
   </p:cSld>
@@ -3665,383 +3668,6 @@
     <p:extLst>
       <p:ext uri="{BB962C8B-B14F-4D97-AF65-F5344CB8AC3E}">
         <p14:creationId xmlns:p14="http://schemas.microsoft.com/office/powerpoint/2010/main" val="520653304"/>
-      </p:ext>
-    </p:extLst>
-  </p:cSld>
-  <p:clrMapOvr>
-    <a:masterClrMapping/>
-  </p:clrMapOvr>
-</p:sld>
-</file>
-
-<file path=ppt/slides/slide14.xml><?xml version="1.0" encoding="utf-8"?>
-<p:sld xmlns:a="http://schemas.openxmlformats.org/drawingml/2006/main" xmlns:r="http://schemas.openxmlformats.org/officeDocument/2006/relationships" xmlns:p="http://schemas.openxmlformats.org/presentationml/2006/main">
-  <p:cSld>
-    <p:spTree>
-      <p:nvGrpSpPr>
-        <p:cNvPr id="1" name=""/>
-        <p:cNvGrpSpPr/>
-        <p:nvPr/>
-      </p:nvGrpSpPr>
-      <p:grpSpPr>
-        <a:xfrm>
-          <a:off x="0" y="0"/>
-          <a:ext cx="0" cy="0"/>
-          <a:chOff x="0" y="0"/>
-          <a:chExt cx="0" cy="0"/>
-        </a:xfrm>
-      </p:grpSpPr>
-      <p:sp>
-        <p:nvSpPr>
-          <p:cNvPr id="2" name="Title 1"/>
-          <p:cNvSpPr>
-            <a:spLocks noGrp="1"/>
-          </p:cNvSpPr>
-          <p:nvPr>
-            <p:ph type="title"/>
-          </p:nvPr>
-        </p:nvSpPr>
-        <p:spPr/>
-        <p:txBody>
-          <a:bodyPr/>
-          <a:lstStyle/>
-          <a:p>
-            <a:r>
-              <a:rPr lang="en-US" dirty="0" err="1" smtClean="0"/>
-              <a:t>LangChain</a:t>
-            </a:r>
-            <a:endParaRPr lang="en-US" dirty="0"/>
-          </a:p>
-        </p:txBody>
-      </p:sp>
-      <p:sp>
-        <p:nvSpPr>
-          <p:cNvPr id="3" name="Content Placeholder 2"/>
-          <p:cNvSpPr>
-            <a:spLocks noGrp="1"/>
-          </p:cNvSpPr>
-          <p:nvPr>
-            <p:ph idx="1"/>
-          </p:nvPr>
-        </p:nvSpPr>
-        <p:spPr/>
-        <p:txBody>
-          <a:bodyPr>
-            <a:normAutofit fontScale="85000" lnSpcReduction="20000"/>
-          </a:bodyPr>
-          <a:lstStyle/>
-          <a:p>
-            <a:pPr marL="0" indent="0">
-              <a:buNone/>
-            </a:pPr>
-            <a:r>
-              <a:rPr lang="en-US" b="1" dirty="0" err="1"/>
-              <a:t>LangChain</a:t>
-            </a:r>
-            <a:r>
-              <a:rPr lang="en-US" b="1" dirty="0"/>
-              <a:t> &amp; LCEL Pipe </a:t>
-            </a:r>
-            <a:r>
-              <a:rPr lang="en-US" b="1" dirty="0" smtClean="0"/>
-              <a:t>Operator</a:t>
-            </a:r>
-          </a:p>
-          <a:p>
-            <a:r>
-              <a:rPr lang="en-US" dirty="0" err="1" smtClean="0"/>
-              <a:t>LangChain</a:t>
-            </a:r>
-            <a:r>
-              <a:rPr lang="en-US" dirty="0" smtClean="0"/>
-              <a:t> </a:t>
-            </a:r>
-            <a:r>
-              <a:rPr lang="en-US" dirty="0"/>
-              <a:t>is a framework designed to simplify the development of applications powered by large language models (LLMs), enabling seamless integration with external data sources, APIs, and memory for </a:t>
-            </a:r>
-            <a:r>
-              <a:rPr lang="en-US" dirty="0" err="1"/>
-              <a:t>stateful</a:t>
-            </a:r>
-            <a:r>
-              <a:rPr lang="en-US" dirty="0"/>
-              <a:t> interactions. </a:t>
-            </a:r>
-            <a:endParaRPr lang="en-US" dirty="0" smtClean="0"/>
-          </a:p>
-          <a:p>
-            <a:r>
-              <a:rPr lang="en-US" dirty="0" smtClean="0"/>
-              <a:t>It </a:t>
-            </a:r>
-            <a:r>
-              <a:rPr lang="en-US" dirty="0"/>
-              <a:t>provides </a:t>
-            </a:r>
-            <a:r>
-              <a:rPr lang="en-US" b="1" dirty="0"/>
-              <a:t>modular components </a:t>
-            </a:r>
-            <a:r>
-              <a:rPr lang="en-US" dirty="0"/>
-              <a:t>for building retrieval-augmented generation (RAG) systems, autonomous agents, and AI-powered workflows. </a:t>
-            </a:r>
-            <a:endParaRPr lang="en-US" dirty="0" smtClean="0"/>
-          </a:p>
-          <a:p>
-            <a:r>
-              <a:rPr lang="en-US" dirty="0" smtClean="0"/>
-              <a:t>One </a:t>
-            </a:r>
-            <a:r>
-              <a:rPr lang="en-US" dirty="0"/>
-              <a:t>powerful feature within </a:t>
-            </a:r>
-            <a:r>
-              <a:rPr lang="en-US" b="1" dirty="0" err="1"/>
-              <a:t>LangChain</a:t>
-            </a:r>
-            <a:r>
-              <a:rPr lang="en-US" b="1" dirty="0"/>
-              <a:t> Expression Language (LCEL) is the pipe (|) </a:t>
-            </a:r>
-            <a:r>
-              <a:rPr lang="en-US" dirty="0"/>
-              <a:t>operator, which allows for </a:t>
-            </a:r>
-            <a:r>
-              <a:rPr lang="en-US" b="1" dirty="0"/>
-              <a:t>chaining multiple components together in a clear, functional syntax</a:t>
-            </a:r>
-            <a:r>
-              <a:rPr lang="en-US" dirty="0"/>
-              <a:t>. </a:t>
-            </a:r>
-            <a:endParaRPr lang="en-US" dirty="0" smtClean="0"/>
-          </a:p>
-          <a:p>
-            <a:r>
-              <a:rPr lang="en-US" dirty="0" smtClean="0"/>
-              <a:t>This </a:t>
-            </a:r>
-            <a:r>
-              <a:rPr lang="en-US" dirty="0"/>
-              <a:t>operator </a:t>
-            </a:r>
-            <a:r>
-              <a:rPr lang="en-US" b="1" dirty="0"/>
-              <a:t>enables sequential execution of LLM calls</a:t>
-            </a:r>
-            <a:r>
-              <a:rPr lang="en-US" dirty="0"/>
-              <a:t>, </a:t>
-            </a:r>
-            <a:r>
-              <a:rPr lang="en-US" b="1" dirty="0"/>
-              <a:t>transformations, and memory updates, making workflow design more intuitive and readable</a:t>
-            </a:r>
-            <a:r>
-              <a:rPr lang="en-US" dirty="0"/>
-              <a:t>. </a:t>
-            </a:r>
-            <a:endParaRPr lang="en-US" dirty="0" smtClean="0"/>
-          </a:p>
-          <a:p>
-            <a:r>
-              <a:rPr lang="en-US" dirty="0" smtClean="0"/>
-              <a:t>For </a:t>
-            </a:r>
-            <a:r>
-              <a:rPr lang="en-US" dirty="0"/>
-              <a:t>example</a:t>
-            </a:r>
-            <a:r>
-              <a:rPr lang="en-US" b="1" dirty="0"/>
-              <a:t>, "User input" | </a:t>
-            </a:r>
-            <a:r>
-              <a:rPr lang="en-US" b="1" dirty="0" err="1"/>
-              <a:t>llm</a:t>
-            </a:r>
-            <a:r>
-              <a:rPr lang="en-US" b="1" dirty="0"/>
-              <a:t> | summarizer | </a:t>
-            </a:r>
-            <a:r>
-              <a:rPr lang="en-US" b="1" dirty="0" err="1"/>
-              <a:t>database_store</a:t>
-            </a:r>
-            <a:r>
-              <a:rPr lang="en-US" dirty="0"/>
-              <a:t> efficiently processes and stores AI-generated content in a single pipeline, improving maintainability and composability of AI workflows.</a:t>
-            </a:r>
-          </a:p>
-        </p:txBody>
-      </p:sp>
-    </p:spTree>
-    <p:extLst>
-      <p:ext uri="{BB962C8B-B14F-4D97-AF65-F5344CB8AC3E}">
-        <p14:creationId xmlns:p14="http://schemas.microsoft.com/office/powerpoint/2010/main" val="2331659511"/>
-      </p:ext>
-    </p:extLst>
-  </p:cSld>
-  <p:clrMapOvr>
-    <a:masterClrMapping/>
-  </p:clrMapOvr>
-</p:sld>
-</file>
-
-<file path=ppt/slides/slide15.xml><?xml version="1.0" encoding="utf-8"?>
-<p:sld xmlns:a="http://schemas.openxmlformats.org/drawingml/2006/main" xmlns:r="http://schemas.openxmlformats.org/officeDocument/2006/relationships" xmlns:p="http://schemas.openxmlformats.org/presentationml/2006/main">
-  <p:cSld>
-    <p:spTree>
-      <p:nvGrpSpPr>
-        <p:cNvPr id="1" name=""/>
-        <p:cNvGrpSpPr/>
-        <p:nvPr/>
-      </p:nvGrpSpPr>
-      <p:grpSpPr>
-        <a:xfrm>
-          <a:off x="0" y="0"/>
-          <a:ext cx="0" cy="0"/>
-          <a:chOff x="0" y="0"/>
-          <a:chExt cx="0" cy="0"/>
-        </a:xfrm>
-      </p:grpSpPr>
-      <p:sp>
-        <p:nvSpPr>
-          <p:cNvPr id="2" name="Title 1"/>
-          <p:cNvSpPr>
-            <a:spLocks noGrp="1"/>
-          </p:cNvSpPr>
-          <p:nvPr>
-            <p:ph type="title"/>
-          </p:nvPr>
-        </p:nvSpPr>
-        <p:spPr/>
-        <p:txBody>
-          <a:bodyPr/>
-          <a:lstStyle/>
-          <a:p>
-            <a:r>
-              <a:rPr lang="en-US" dirty="0" smtClean="0"/>
-              <a:t>Practical Example – Data Base Querying Agent</a:t>
-            </a:r>
-            <a:endParaRPr lang="en-US" dirty="0"/>
-          </a:p>
-        </p:txBody>
-      </p:sp>
-      <p:sp>
-        <p:nvSpPr>
-          <p:cNvPr id="3" name="Content Placeholder 2"/>
-          <p:cNvSpPr>
-            <a:spLocks noGrp="1"/>
-          </p:cNvSpPr>
-          <p:nvPr>
-            <p:ph idx="1"/>
-          </p:nvPr>
-        </p:nvSpPr>
-        <p:spPr/>
-        <p:txBody>
-          <a:bodyPr>
-            <a:normAutofit fontScale="92500" lnSpcReduction="10000"/>
-          </a:bodyPr>
-          <a:lstStyle/>
-          <a:p>
-            <a:r>
-              <a:rPr lang="en-US" dirty="0">
-                <a:hlinkClick r:id="rId2"/>
-              </a:rPr>
-              <a:t>https://python.langchain.com/docs/tutorials/sql_qa</a:t>
-            </a:r>
-            <a:r>
-              <a:rPr lang="en-US" dirty="0" smtClean="0">
-                <a:hlinkClick r:id="rId2"/>
-              </a:rPr>
-              <a:t>/</a:t>
-            </a:r>
-            <a:endParaRPr lang="en-US" dirty="0" smtClean="0"/>
-          </a:p>
-          <a:p>
-            <a:r>
-              <a:rPr lang="en-US" dirty="0" smtClean="0"/>
-              <a:t>Some of the things that we will notice here:</a:t>
-            </a:r>
-          </a:p>
-          <a:p>
-            <a:r>
-              <a:rPr lang="en-US" dirty="0" smtClean="0"/>
-              <a:t>SQL with python</a:t>
-            </a:r>
-          </a:p>
-          <a:p>
-            <a:r>
-              <a:rPr lang="en-US" dirty="0" err="1" smtClean="0"/>
-              <a:t>Langraph</a:t>
-            </a:r>
-            <a:endParaRPr lang="en-US" dirty="0" smtClean="0"/>
-          </a:p>
-          <a:p>
-            <a:r>
-              <a:rPr lang="en-US" dirty="0" err="1" smtClean="0"/>
-              <a:t>Langsmith</a:t>
-            </a:r>
-            <a:endParaRPr lang="en-US" dirty="0" smtClean="0"/>
-          </a:p>
-          <a:p>
-            <a:r>
-              <a:rPr lang="en-US" dirty="0" smtClean="0"/>
-              <a:t>LCEL</a:t>
-            </a:r>
-          </a:p>
-          <a:p>
-            <a:r>
-              <a:rPr lang="en-US" dirty="0" smtClean="0"/>
-              <a:t>Agent</a:t>
-            </a:r>
-          </a:p>
-          <a:p>
-            <a:endParaRPr lang="en-US" dirty="0"/>
-          </a:p>
-          <a:p>
-            <a:pPr marL="0" indent="0">
-              <a:buNone/>
-            </a:pPr>
-            <a:r>
-              <a:rPr lang="en-US" dirty="0" smtClean="0"/>
-              <a:t>Another </a:t>
-            </a:r>
-            <a:r>
-              <a:rPr lang="en-US" dirty="0"/>
-              <a:t>practical example: </a:t>
-            </a:r>
-            <a:r>
-              <a:rPr lang="en-US" dirty="0">
-                <a:hlinkClick r:id="rId3"/>
-              </a:rPr>
-              <a:t>https://python.langchain.com/docs/how_to/sql_csv</a:t>
-            </a:r>
-            <a:r>
-              <a:rPr lang="en-US" dirty="0" smtClean="0">
-                <a:hlinkClick r:id="rId3"/>
-              </a:rPr>
-              <a:t>/</a:t>
-            </a:r>
-            <a:endParaRPr lang="en-US" dirty="0" smtClean="0"/>
-          </a:p>
-          <a:p>
-            <a:pPr marL="0" indent="0">
-              <a:buNone/>
-            </a:pPr>
-            <a:endParaRPr lang="en-US" dirty="0"/>
-          </a:p>
-        </p:txBody>
-      </p:sp>
-    </p:spTree>
-    <p:extLst>
-      <p:ext uri="{BB962C8B-B14F-4D97-AF65-F5344CB8AC3E}">
-        <p14:creationId xmlns:p14="http://schemas.microsoft.com/office/powerpoint/2010/main" val="772789331"/>
       </p:ext>
     </p:extLst>
   </p:cSld>
